--- a/DS3/OS QUE CONFIAM.pptx
+++ b/DS3/OS QUE CONFIAM.pptx
@@ -320,7 +320,7 @@
           <a:p>
             <a:fld id="{B04B27F6-2DB3-4A6B-B00E-8F4234C3E00F}" type="datetimeFigureOut">
               <a:rPr lang="pt-BR" smtClean="0"/>
-              <a:t>01/10/2018</a:t>
+              <a:t>25/11/2023</a:t>
             </a:fld>
             <a:endParaRPr lang="pt-BR"/>
           </a:p>
@@ -483,7 +483,7 @@
           <a:p>
             <a:fld id="{B04B27F6-2DB3-4A6B-B00E-8F4234C3E00F}" type="datetimeFigureOut">
               <a:rPr lang="pt-BR" smtClean="0"/>
-              <a:t>01/10/2018</a:t>
+              <a:t>25/11/2023</a:t>
             </a:fld>
             <a:endParaRPr lang="pt-BR"/>
           </a:p>
@@ -656,7 +656,7 @@
           <a:p>
             <a:fld id="{B04B27F6-2DB3-4A6B-B00E-8F4234C3E00F}" type="datetimeFigureOut">
               <a:rPr lang="pt-BR" smtClean="0"/>
-              <a:t>01/10/2018</a:t>
+              <a:t>25/11/2023</a:t>
             </a:fld>
             <a:endParaRPr lang="pt-BR"/>
           </a:p>
@@ -819,7 +819,7 @@
           <a:p>
             <a:fld id="{B04B27F6-2DB3-4A6B-B00E-8F4234C3E00F}" type="datetimeFigureOut">
               <a:rPr lang="pt-BR" smtClean="0"/>
-              <a:t>01/10/2018</a:t>
+              <a:t>25/11/2023</a:t>
             </a:fld>
             <a:endParaRPr lang="pt-BR"/>
           </a:p>
@@ -1059,7 +1059,7 @@
           <a:p>
             <a:fld id="{B04B27F6-2DB3-4A6B-B00E-8F4234C3E00F}" type="datetimeFigureOut">
               <a:rPr lang="pt-BR" smtClean="0"/>
-              <a:t>01/10/2018</a:t>
+              <a:t>25/11/2023</a:t>
             </a:fld>
             <a:endParaRPr lang="pt-BR"/>
           </a:p>
@@ -1339,7 +1339,7 @@
           <a:p>
             <a:fld id="{B04B27F6-2DB3-4A6B-B00E-8F4234C3E00F}" type="datetimeFigureOut">
               <a:rPr lang="pt-BR" smtClean="0"/>
-              <a:t>01/10/2018</a:t>
+              <a:t>25/11/2023</a:t>
             </a:fld>
             <a:endParaRPr lang="pt-BR"/>
           </a:p>
@@ -1753,7 +1753,7 @@
           <a:p>
             <a:fld id="{B04B27F6-2DB3-4A6B-B00E-8F4234C3E00F}" type="datetimeFigureOut">
               <a:rPr lang="pt-BR" smtClean="0"/>
-              <a:t>01/10/2018</a:t>
+              <a:t>25/11/2023</a:t>
             </a:fld>
             <a:endParaRPr lang="pt-BR"/>
           </a:p>
@@ -1865,7 +1865,7 @@
           <a:p>
             <a:fld id="{B04B27F6-2DB3-4A6B-B00E-8F4234C3E00F}" type="datetimeFigureOut">
               <a:rPr lang="pt-BR" smtClean="0"/>
-              <a:t>01/10/2018</a:t>
+              <a:t>25/11/2023</a:t>
             </a:fld>
             <a:endParaRPr lang="pt-BR"/>
           </a:p>
@@ -1955,7 +1955,7 @@
           <a:p>
             <a:fld id="{B04B27F6-2DB3-4A6B-B00E-8F4234C3E00F}" type="datetimeFigureOut">
               <a:rPr lang="pt-BR" smtClean="0"/>
-              <a:t>01/10/2018</a:t>
+              <a:t>25/11/2023</a:t>
             </a:fld>
             <a:endParaRPr lang="pt-BR"/>
           </a:p>
@@ -2225,7 +2225,7 @@
           <a:p>
             <a:fld id="{B04B27F6-2DB3-4A6B-B00E-8F4234C3E00F}" type="datetimeFigureOut">
               <a:rPr lang="pt-BR" smtClean="0"/>
-              <a:t>01/10/2018</a:t>
+              <a:t>25/11/2023</a:t>
             </a:fld>
             <a:endParaRPr lang="pt-BR"/>
           </a:p>
@@ -2472,7 +2472,7 @@
           <a:p>
             <a:fld id="{B04B27F6-2DB3-4A6B-B00E-8F4234C3E00F}" type="datetimeFigureOut">
               <a:rPr lang="pt-BR" smtClean="0"/>
-              <a:t>01/10/2018</a:t>
+              <a:t>25/11/2023</a:t>
             </a:fld>
             <a:endParaRPr lang="pt-BR"/>
           </a:p>
@@ -2678,7 +2678,7 @@
           <a:p>
             <a:fld id="{B04B27F6-2DB3-4A6B-B00E-8F4234C3E00F}" type="datetimeFigureOut">
               <a:rPr lang="pt-BR" smtClean="0"/>
-              <a:t>01/10/2018</a:t>
+              <a:t>25/11/2023</a:t>
             </a:fld>
             <a:endParaRPr lang="pt-BR"/>
           </a:p>
@@ -3074,7 +3074,7 @@
         </p:nvSpPr>
         <p:spPr>
           <a:xfrm>
-            <a:off x="1271464" y="383"/>
+            <a:off x="1487488" y="620688"/>
             <a:ext cx="10557254" cy="1584176"/>
           </a:xfrm>
         </p:spPr>
@@ -3170,7 +3170,7 @@
               <a:rPr lang="pt-BR" sz="7200" b="1" dirty="0">
                 <a:latin typeface="Arial Black" panose="020B0A04020102020204" pitchFamily="34" charset="0"/>
               </a:rPr>
-              <a:t>NÃO... NÃO DÁ... </a:t>
+              <a:t>NÃO DÁ </a:t>
             </a:r>
           </a:p>
           <a:p>
@@ -3198,7 +3198,7 @@
               <a:rPr lang="pt-BR" sz="7200" b="1" dirty="0">
                 <a:latin typeface="Arial Black" panose="020B0A04020102020204" pitchFamily="34" charset="0"/>
               </a:rPr>
-              <a:t>NÃO... NÃO DÁ... SEM</a:t>
+              <a:t> NÃO DÁ SEM</a:t>
             </a:r>
           </a:p>
           <a:p>
